--- a/Данилин А.А.pptx
+++ b/Данилин А.А.pptx
@@ -7,7 +7,7 @@
   <p:sldIdLst>
     <p:sldId id="256" r:id="rId2"/>
     <p:sldId id="273" r:id="rId3"/>
-    <p:sldId id="259" r:id="rId4"/>
+    <p:sldId id="288" r:id="rId4"/>
     <p:sldId id="263" r:id="rId5"/>
     <p:sldId id="286" r:id="rId6"/>
     <p:sldId id="278" r:id="rId7"/>
@@ -5461,7 +5461,7 @@
           <p:cNvPr id="2" name="Объект 1">
             <a:extLst>
               <a:ext uri="{FF2B5EF4-FFF2-40B4-BE49-F238E27FC236}">
-                <a16:creationId xmlns:a16="http://schemas.microsoft.com/office/drawing/2014/main" id="{2F72E22B-14F3-4CF1-8995-E196F59646CD}"/>
+                <a16:creationId xmlns:a16="http://schemas.microsoft.com/office/drawing/2014/main" id="{ABB32C91-34DF-2992-8FBD-D11D88B5B833}"/>
               </a:ext>
             </a:extLst>
           </p:cNvPr>
@@ -5474,174 +5474,25 @@
         </p:nvSpPr>
         <p:spPr/>
         <p:txBody>
-          <a:bodyPr>
-            <a:normAutofit fontScale="92500" lnSpcReduction="20000"/>
-          </a:bodyPr>
-          <a:lstStyle/>
-          <a:p>
-            <a:pPr lvl="0"/>
-            <a:r>
-              <a:rPr lang="ru-RU" dirty="0">
-                <a:solidFill>
-                  <a:schemeClr val="tx1"/>
-                </a:solidFill>
-              </a:rPr>
-              <a:t>Изучение теоретических основ разработки web-приложений, принципов работы RSS-каналов и их формата</a:t>
-            </a:r>
-          </a:p>
-          <a:p>
-            <a:pPr lvl="0"/>
-            <a:r>
-              <a:rPr lang="ru-RU" dirty="0">
-                <a:solidFill>
-                  <a:schemeClr val="tx1"/>
-                </a:solidFill>
-              </a:rPr>
-              <a:t>Изучение существующих решений для разработки web-приложений и выбор оптимальных средств разработки</a:t>
-            </a:r>
-          </a:p>
-          <a:p>
-            <a:pPr lvl="0"/>
-            <a:r>
-              <a:rPr lang="ru-RU" dirty="0">
-                <a:solidFill>
-                  <a:schemeClr val="tx1"/>
-                </a:solidFill>
-              </a:rPr>
-              <a:t>Проектирование архитектуры приложения, определение структуры базы данных и разработка схемы хранения данных.</a:t>
-            </a:r>
-          </a:p>
-          <a:p>
-            <a:pPr lvl="0"/>
-            <a:r>
-              <a:rPr lang="ru-RU" dirty="0">
-                <a:solidFill>
-                  <a:schemeClr val="tx1"/>
-                </a:solidFill>
-              </a:rPr>
-              <a:t>Разработка </a:t>
-            </a:r>
-            <a:r>
-              <a:rPr lang="ru-RU" dirty="0" err="1">
-                <a:solidFill>
-                  <a:schemeClr val="tx1"/>
-                </a:solidFill>
-              </a:rPr>
-              <a:t>backend</a:t>
-            </a:r>
-            <a:r>
-              <a:rPr lang="ru-RU" dirty="0">
-                <a:solidFill>
-                  <a:schemeClr val="tx1"/>
-                </a:solidFill>
-              </a:rPr>
-              <a:t>-части приложения на основе фреймворка </a:t>
-            </a:r>
-            <a:r>
-              <a:rPr lang="ru-RU" dirty="0" err="1">
-                <a:solidFill>
-                  <a:schemeClr val="tx1"/>
-                </a:solidFill>
-              </a:rPr>
-              <a:t>Django</a:t>
-            </a:r>
-            <a:r>
-              <a:rPr lang="ru-RU" dirty="0">
-                <a:solidFill>
-                  <a:schemeClr val="tx1"/>
-                </a:solidFill>
-              </a:rPr>
-              <a:t> с использованием языка программирования Python.</a:t>
-            </a:r>
-          </a:p>
-          <a:p>
-            <a:pPr lvl="0"/>
-            <a:r>
-              <a:rPr lang="ru-RU" dirty="0">
-                <a:solidFill>
-                  <a:schemeClr val="tx1"/>
-                </a:solidFill>
-              </a:rPr>
-              <a:t>Разработка </a:t>
-            </a:r>
-            <a:r>
-              <a:rPr lang="ru-RU" dirty="0" err="1">
-                <a:solidFill>
-                  <a:schemeClr val="tx1"/>
-                </a:solidFill>
-              </a:rPr>
-              <a:t>frontend</a:t>
-            </a:r>
-            <a:r>
-              <a:rPr lang="ru-RU" dirty="0">
-                <a:solidFill>
-                  <a:schemeClr val="tx1"/>
-                </a:solidFill>
-              </a:rPr>
-              <a:t>-части приложения на основе фреймворка </a:t>
-            </a:r>
-            <a:r>
-              <a:rPr lang="ru-RU" dirty="0" err="1">
-                <a:solidFill>
-                  <a:schemeClr val="tx1"/>
-                </a:solidFill>
-              </a:rPr>
-              <a:t>Vue</a:t>
-            </a:r>
-            <a:r>
-              <a:rPr lang="ru-RU" dirty="0">
-                <a:solidFill>
-                  <a:schemeClr val="tx1"/>
-                </a:solidFill>
-              </a:rPr>
-              <a:t> с использованием языков программирования JavaScript и HTML/CSS.</a:t>
-            </a:r>
-          </a:p>
-          <a:p>
-            <a:pPr lvl="0"/>
-            <a:r>
-              <a:rPr lang="ru-RU" dirty="0">
-                <a:solidFill>
-                  <a:schemeClr val="tx1"/>
-                </a:solidFill>
-              </a:rPr>
-              <a:t>Настройка веб-сервера </a:t>
-            </a:r>
-            <a:r>
-              <a:rPr lang="ru-RU" dirty="0" err="1">
-                <a:solidFill>
-                  <a:schemeClr val="tx1"/>
-                </a:solidFill>
-              </a:rPr>
-              <a:t>Nginx</a:t>
-            </a:r>
-            <a:r>
-              <a:rPr lang="ru-RU" dirty="0">
-                <a:solidFill>
-                  <a:schemeClr val="tx1"/>
-                </a:solidFill>
-              </a:rPr>
-              <a:t> для обработки запросов к приложению</a:t>
-            </a:r>
-            <a:r>
-              <a:rPr lang="en-US" dirty="0">
-                <a:solidFill>
-                  <a:schemeClr val="tx1"/>
-                </a:solidFill>
-              </a:rPr>
-              <a:t>.</a:t>
-            </a:r>
-            <a:endParaRPr lang="ru-RU" dirty="0">
-              <a:solidFill>
-                <a:schemeClr val="tx1"/>
-              </a:solidFill>
-            </a:endParaRPr>
-          </a:p>
-          <a:p>
-            <a:pPr marL="0" indent="0">
-              <a:buNone/>
-            </a:pPr>
-            <a:endParaRPr lang="ru-RU" dirty="0"/>
+          <a:bodyPr/>
+          <a:lstStyle/>
+          <a:p>
+            <a:r>
+              <a:rPr lang="ru-RU" dirty="0"/>
+              <a:t>Мобильные приложения становятся необходимостью</a:t>
+            </a:r>
+          </a:p>
+          <a:p>
+            <a:r>
+              <a:rPr lang="ru-RU" dirty="0"/>
+              <a:t>Спорт продолжает набирать популярность</a:t>
+            </a:r>
+          </a:p>
+          <a:p>
+            <a:r>
+              <a:rPr lang="ru-RU" dirty="0"/>
+              <a:t>Недостаток мобильных приложений в этой сфере на российском рынке</a:t>
+            </a:r>
           </a:p>
         </p:txBody>
       </p:sp>
@@ -5650,7 +5501,7 @@
           <p:cNvPr id="3" name="Заголовок 2">
             <a:extLst>
               <a:ext uri="{FF2B5EF4-FFF2-40B4-BE49-F238E27FC236}">
-                <a16:creationId xmlns:a16="http://schemas.microsoft.com/office/drawing/2014/main" id="{BFBADFF9-1CF4-4614-B1B2-B9FA48E1D66E}"/>
+                <a16:creationId xmlns:a16="http://schemas.microsoft.com/office/drawing/2014/main" id="{687885DD-4A32-8CB3-9ECE-26D693837841}"/>
               </a:ext>
             </a:extLst>
           </p:cNvPr>
@@ -5668,7 +5519,7 @@
           <a:p>
             <a:r>
               <a:rPr lang="ru-RU" dirty="0"/>
-              <a:t>Задачи</a:t>
+              <a:t>Анализ важности поставленной задачи</a:t>
             </a:r>
           </a:p>
         </p:txBody>
@@ -5676,7 +5527,7 @@
     </p:spTree>
     <p:extLst>
       <p:ext uri="{BB962C8B-B14F-4D97-AF65-F5344CB8AC3E}">
-        <p14:creationId xmlns:p14="http://schemas.microsoft.com/office/powerpoint/2010/main" val="1623700084"/>
+        <p14:creationId xmlns:p14="http://schemas.microsoft.com/office/powerpoint/2010/main" val="2443456914"/>
       </p:ext>
     </p:extLst>
   </p:cSld>
@@ -5762,7 +5613,23 @@
                   <a:schemeClr val="tx1"/>
                 </a:solidFill>
               </a:rPr>
-              <a:t>Просмотр истории собственных тренировок</a:t>
+              <a:t>п</a:t>
+            </a:r>
+            <a:r>
+              <a:rPr lang="ru-RU">
+                <a:solidFill>
+                  <a:schemeClr val="tx1"/>
+                </a:solidFill>
+              </a:rPr>
+              <a:t>росмотр </a:t>
+            </a:r>
+            <a:r>
+              <a:rPr lang="ru-RU" dirty="0">
+                <a:solidFill>
+                  <a:schemeClr val="tx1"/>
+                </a:solidFill>
+              </a:rPr>
+              <a:t>истории собственных тренировок</a:t>
             </a:r>
             <a:r>
               <a:rPr lang="en-US" dirty="0">

--- a/Данилин А.А.pptx
+++ b/Данилин А.А.pptx
@@ -15,9 +15,10 @@
     <p:sldId id="287" r:id="rId9"/>
     <p:sldId id="282" r:id="rId10"/>
     <p:sldId id="284" r:id="rId11"/>
-    <p:sldId id="277" r:id="rId12"/>
-    <p:sldId id="267" r:id="rId13"/>
-    <p:sldId id="272" r:id="rId14"/>
+    <p:sldId id="289" r:id="rId12"/>
+    <p:sldId id="277" r:id="rId13"/>
+    <p:sldId id="267" r:id="rId14"/>
+    <p:sldId id="272" r:id="rId15"/>
   </p:sldIdLst>
   <p:sldSz cx="12192000" cy="6858000"/>
   <p:notesSz cx="6858000" cy="9144000"/>
@@ -178,7 +179,7 @@
           <a:p>
             <a:fld id="{D02530AB-7E7F-42A0-9819-35D12B816B3C}" type="datetimeFigureOut">
               <a:rPr lang="ru-RU" smtClean="0"/>
-              <a:t>11.05.2023</a:t>
+              <a:t>12.05.2023</a:t>
             </a:fld>
             <a:endParaRPr lang="ru-RU"/>
           </a:p>
@@ -442,7 +443,7 @@
           <a:p>
             <a:fld id="{D02530AB-7E7F-42A0-9819-35D12B816B3C}" type="datetimeFigureOut">
               <a:rPr lang="ru-RU" smtClean="0"/>
-              <a:t>11.05.2023</a:t>
+              <a:t>12.05.2023</a:t>
             </a:fld>
             <a:endParaRPr lang="ru-RU"/>
           </a:p>
@@ -784,7 +785,7 @@
           <a:p>
             <a:fld id="{D02530AB-7E7F-42A0-9819-35D12B816B3C}" type="datetimeFigureOut">
               <a:rPr lang="ru-RU" smtClean="0"/>
-              <a:t>11.05.2023</a:t>
+              <a:t>12.05.2023</a:t>
             </a:fld>
             <a:endParaRPr lang="ru-RU"/>
           </a:p>
@@ -1122,7 +1123,7 @@
           <a:p>
             <a:fld id="{D02530AB-7E7F-42A0-9819-35D12B816B3C}" type="datetimeFigureOut">
               <a:rPr lang="ru-RU" smtClean="0"/>
-              <a:t>11.05.2023</a:t>
+              <a:t>12.05.2023</a:t>
             </a:fld>
             <a:endParaRPr lang="ru-RU"/>
           </a:p>
@@ -1556,7 +1557,7 @@
           <a:p>
             <a:fld id="{D02530AB-7E7F-42A0-9819-35D12B816B3C}" type="datetimeFigureOut">
               <a:rPr lang="ru-RU" smtClean="0"/>
-              <a:t>11.05.2023</a:t>
+              <a:t>12.05.2023</a:t>
             </a:fld>
             <a:endParaRPr lang="ru-RU"/>
           </a:p>
@@ -1955,7 +1956,7 @@
           <a:p>
             <a:fld id="{D02530AB-7E7F-42A0-9819-35D12B816B3C}" type="datetimeFigureOut">
               <a:rPr lang="ru-RU" smtClean="0"/>
-              <a:t>11.05.2023</a:t>
+              <a:t>12.05.2023</a:t>
             </a:fld>
             <a:endParaRPr lang="ru-RU"/>
           </a:p>
@@ -2483,7 +2484,7 @@
           <a:p>
             <a:fld id="{D02530AB-7E7F-42A0-9819-35D12B816B3C}" type="datetimeFigureOut">
               <a:rPr lang="ru-RU" smtClean="0"/>
-              <a:t>11.05.2023</a:t>
+              <a:t>12.05.2023</a:t>
             </a:fld>
             <a:endParaRPr lang="ru-RU"/>
           </a:p>
@@ -2769,7 +2770,7 @@
           <a:p>
             <a:fld id="{D02530AB-7E7F-42A0-9819-35D12B816B3C}" type="datetimeFigureOut">
               <a:rPr lang="ru-RU" smtClean="0"/>
-              <a:t>11.05.2023</a:t>
+              <a:t>12.05.2023</a:t>
             </a:fld>
             <a:endParaRPr lang="ru-RU"/>
           </a:p>
@@ -3055,7 +3056,7 @@
           <a:p>
             <a:fld id="{D02530AB-7E7F-42A0-9819-35D12B816B3C}" type="datetimeFigureOut">
               <a:rPr lang="ru-RU" smtClean="0"/>
-              <a:t>11.05.2023</a:t>
+              <a:t>12.05.2023</a:t>
             </a:fld>
             <a:endParaRPr lang="ru-RU"/>
           </a:p>
@@ -3594,7 +3595,7 @@
           <a:p>
             <a:fld id="{D02530AB-7E7F-42A0-9819-35D12B816B3C}" type="datetimeFigureOut">
               <a:rPr lang="ru-RU" smtClean="0"/>
-              <a:t>11.05.2023</a:t>
+              <a:t>12.05.2023</a:t>
             </a:fld>
             <a:endParaRPr lang="ru-RU"/>
           </a:p>
@@ -4009,7 +4010,7 @@
           <a:p>
             <a:fld id="{D02530AB-7E7F-42A0-9819-35D12B816B3C}" type="datetimeFigureOut">
               <a:rPr lang="ru-RU" smtClean="0"/>
-              <a:t>11.05.2023</a:t>
+              <a:t>12.05.2023</a:t>
             </a:fld>
             <a:endParaRPr lang="ru-RU"/>
           </a:p>
@@ -4301,7 +4302,7 @@
           <a:p>
             <a:fld id="{D02530AB-7E7F-42A0-9819-35D12B816B3C}" type="datetimeFigureOut">
               <a:rPr lang="ru-RU" smtClean="0"/>
-              <a:t>11.05.2023</a:t>
+              <a:t>12.05.2023</a:t>
             </a:fld>
             <a:endParaRPr lang="ru-RU" dirty="0"/>
           </a:p>
@@ -4880,13 +4881,22 @@
               <a:t>, </a:t>
             </a:r>
             <a:r>
+              <a:rPr lang="ru-RU" sz="1400" dirty="0" err="1">
+                <a:solidFill>
+                  <a:schemeClr val="bg1"/>
+                </a:solidFill>
+                <a:latin typeface="Book Antiqua" panose="02040602050305030304" pitchFamily="18" charset="0"/>
+              </a:rPr>
+              <a:t>к.ф.м.н</a:t>
+            </a:r>
+            <a:r>
               <a:rPr lang="ru-RU" sz="1400" dirty="0">
                 <a:solidFill>
                   <a:schemeClr val="bg1"/>
                 </a:solidFill>
                 <a:latin typeface="Book Antiqua" panose="02040602050305030304" pitchFamily="18" charset="0"/>
               </a:rPr>
-              <a:t>к.т.н. </a:t>
+              <a:t>. </a:t>
             </a:r>
             <a:r>
               <a:rPr lang="ru-RU" sz="1400" dirty="0" err="1">
@@ -4898,7 +4908,7 @@
               <a:t>Калажоков</a:t>
             </a:r>
             <a:r>
-              <a:rPr lang="ru-RU" sz="1400">
+              <a:rPr lang="ru-RU" sz="1400" dirty="0">
                 <a:solidFill>
                   <a:schemeClr val="bg1"/>
                 </a:solidFill>
@@ -4906,12 +4916,6 @@
               </a:rPr>
               <a:t> З.Х.</a:t>
             </a:r>
-            <a:endParaRPr lang="ru-RU" sz="1400" dirty="0">
-              <a:solidFill>
-                <a:schemeClr val="bg1"/>
-              </a:solidFill>
-              <a:latin typeface="Book Antiqua" panose="02040602050305030304" pitchFamily="18" charset="0"/>
-            </a:endParaRPr>
           </a:p>
           <a:p>
             <a:pPr>
@@ -5057,62 +5061,41 @@
           <a:chExt cx="0" cy="0"/>
         </a:xfrm>
       </p:grpSpPr>
-      <p:sp>
-        <p:nvSpPr>
-          <p:cNvPr id="2" name="Объект 1">
+      <p:pic>
+        <p:nvPicPr>
+          <p:cNvPr id="5" name="Объект 4">
             <a:extLst>
               <a:ext uri="{FF2B5EF4-FFF2-40B4-BE49-F238E27FC236}">
-                <a16:creationId xmlns:a16="http://schemas.microsoft.com/office/drawing/2014/main" id="{2DC2AF10-C97A-430D-9C95-38110A7681BB}"/>
+                <a16:creationId xmlns:a16="http://schemas.microsoft.com/office/drawing/2014/main" id="{09806D18-8639-F783-A368-3D692684060A}"/>
               </a:ext>
             </a:extLst>
           </p:cNvPr>
-          <p:cNvSpPr>
-            <a:spLocks noGrp="1"/>
-          </p:cNvSpPr>
+          <p:cNvPicPr>
+            <a:picLocks noGrp="1" noChangeAspect="1"/>
+          </p:cNvPicPr>
           <p:nvPr>
             <p:ph idx="1"/>
           </p:nvPr>
-        </p:nvSpPr>
-        <p:spPr/>
-        <p:txBody>
-          <a:bodyPr/>
-          <a:lstStyle/>
-          <a:p>
-            <a:pPr marL="0" indent="0">
-              <a:buNone/>
-            </a:pPr>
-            <a:r>
-              <a:rPr lang="ru-RU" dirty="0"/>
-              <a:t>Разработанная приложение позволяет достигнуть следующих эффектов</a:t>
-            </a:r>
-            <a:endParaRPr lang="en-US" dirty="0"/>
-          </a:p>
-          <a:p>
-            <a:r>
-              <a:rPr lang="ru-RU" dirty="0"/>
-              <a:t>позволяет пользователям быстро и удобно получать доступ к новостям и информации спортивного клуба;</a:t>
-            </a:r>
-          </a:p>
-          <a:p>
-            <a:r>
-              <a:rPr lang="ru-RU" dirty="0"/>
-              <a:t>позволяет пользователям вести учет и отслеживать прогресс собственных тренировок</a:t>
-            </a:r>
-          </a:p>
-          <a:p>
-            <a:r>
-              <a:rPr lang="ru-RU" dirty="0"/>
-              <a:t>разработанное приложение на основе прогрессивного web-приложения обеспечивает высокую скорость загрузки и отзывчивость.</a:t>
-            </a:r>
-          </a:p>
-        </p:txBody>
-      </p:sp>
+        </p:nvPicPr>
+        <p:blipFill>
+          <a:blip r:embed="rId2"/>
+          <a:stretch>
+            <a:fillRect/>
+          </a:stretch>
+        </p:blipFill>
+        <p:spPr>
+          <a:xfrm>
+            <a:off x="269506" y="1253331"/>
+            <a:ext cx="2087806" cy="3637451"/>
+          </a:xfrm>
+        </p:spPr>
+      </p:pic>
       <p:sp>
         <p:nvSpPr>
           <p:cNvPr id="3" name="Заголовок 2">
             <a:extLst>
               <a:ext uri="{FF2B5EF4-FFF2-40B4-BE49-F238E27FC236}">
-                <a16:creationId xmlns:a16="http://schemas.microsoft.com/office/drawing/2014/main" id="{3EB8BC88-C1C1-4C55-8A5F-94FBFA3D1AFA}"/>
+                <a16:creationId xmlns:a16="http://schemas.microsoft.com/office/drawing/2014/main" id="{E88FD708-C868-FBCC-6F47-BAD55446FEDB}"/>
               </a:ext>
             </a:extLst>
           </p:cNvPr>
@@ -5130,7 +5113,305 @@
           <a:p>
             <a:r>
               <a:rPr lang="ru-RU" dirty="0"/>
-              <a:t>Решение</a:t>
+              <a:t>Итоговый результат</a:t>
+            </a:r>
+          </a:p>
+        </p:txBody>
+      </p:sp>
+      <p:pic>
+        <p:nvPicPr>
+          <p:cNvPr id="7" name="Рисунок 6">
+            <a:extLst>
+              <a:ext uri="{FF2B5EF4-FFF2-40B4-BE49-F238E27FC236}">
+                <a16:creationId xmlns:a16="http://schemas.microsoft.com/office/drawing/2014/main" id="{575BF30D-E07E-6870-7614-FFEE6F1FDC6F}"/>
+              </a:ext>
+            </a:extLst>
+          </p:cNvPr>
+          <p:cNvPicPr>
+            <a:picLocks noChangeAspect="1"/>
+          </p:cNvPicPr>
+          <p:nvPr/>
+        </p:nvPicPr>
+        <p:blipFill>
+          <a:blip r:embed="rId3"/>
+          <a:stretch>
+            <a:fillRect/>
+          </a:stretch>
+        </p:blipFill>
+        <p:spPr>
+          <a:xfrm>
+            <a:off x="2498741" y="1236256"/>
+            <a:ext cx="2093311" cy="3637451"/>
+          </a:xfrm>
+          <a:prstGeom prst="rect">
+            <a:avLst/>
+          </a:prstGeom>
+        </p:spPr>
+      </p:pic>
+      <p:pic>
+        <p:nvPicPr>
+          <p:cNvPr id="9" name="Рисунок 8">
+            <a:extLst>
+              <a:ext uri="{FF2B5EF4-FFF2-40B4-BE49-F238E27FC236}">
+                <a16:creationId xmlns:a16="http://schemas.microsoft.com/office/drawing/2014/main" id="{308FE08B-AD44-52B9-F762-BC44851383E8}"/>
+              </a:ext>
+            </a:extLst>
+          </p:cNvPr>
+          <p:cNvPicPr>
+            <a:picLocks noChangeAspect="1"/>
+          </p:cNvPicPr>
+          <p:nvPr/>
+        </p:nvPicPr>
+        <p:blipFill>
+          <a:blip r:embed="rId4"/>
+          <a:stretch>
+            <a:fillRect/>
+          </a:stretch>
+        </p:blipFill>
+        <p:spPr>
+          <a:xfrm>
+            <a:off x="4739561" y="1236255"/>
+            <a:ext cx="2107257" cy="3637451"/>
+          </a:xfrm>
+          <a:prstGeom prst="rect">
+            <a:avLst/>
+          </a:prstGeom>
+        </p:spPr>
+      </p:pic>
+      <p:pic>
+        <p:nvPicPr>
+          <p:cNvPr id="10" name="Рисунок 9" descr="Изображение выглядит как текст, снимок экрана&#10;&#10;Автоматически созданное описание">
+            <a:extLst>
+              <a:ext uri="{FF2B5EF4-FFF2-40B4-BE49-F238E27FC236}">
+                <a16:creationId xmlns:a16="http://schemas.microsoft.com/office/drawing/2014/main" id="{FF920754-3C74-453D-BA85-F5DA8965F9D2}"/>
+              </a:ext>
+            </a:extLst>
+          </p:cNvPr>
+          <p:cNvPicPr>
+            <a:picLocks noChangeAspect="1"/>
+          </p:cNvPicPr>
+          <p:nvPr/>
+        </p:nvPicPr>
+        <p:blipFill>
+          <a:blip r:embed="rId5"/>
+          <a:stretch>
+            <a:fillRect/>
+          </a:stretch>
+        </p:blipFill>
+        <p:spPr>
+          <a:xfrm>
+            <a:off x="6994327" y="1236255"/>
+            <a:ext cx="2125491" cy="3654527"/>
+          </a:xfrm>
+          <a:prstGeom prst="rect">
+            <a:avLst/>
+          </a:prstGeom>
+        </p:spPr>
+      </p:pic>
+      <p:pic>
+        <p:nvPicPr>
+          <p:cNvPr id="11" name="Рисунок 10" descr="Изображение выглядит как текст, снимок экрана, дизайн&#10;&#10;Автоматически созданное описание">
+            <a:extLst>
+              <a:ext uri="{FF2B5EF4-FFF2-40B4-BE49-F238E27FC236}">
+                <a16:creationId xmlns:a16="http://schemas.microsoft.com/office/drawing/2014/main" id="{12E24E90-0195-F8B7-3BEC-BF1A7B8F96DA}"/>
+              </a:ext>
+            </a:extLst>
+          </p:cNvPr>
+          <p:cNvPicPr>
+            <a:picLocks noChangeAspect="1"/>
+          </p:cNvPicPr>
+          <p:nvPr/>
+        </p:nvPicPr>
+        <p:blipFill>
+          <a:blip r:embed="rId6"/>
+          <a:stretch>
+            <a:fillRect/>
+          </a:stretch>
+        </p:blipFill>
+        <p:spPr>
+          <a:xfrm>
+            <a:off x="9229068" y="1236256"/>
+            <a:ext cx="2096702" cy="3637450"/>
+          </a:xfrm>
+          <a:prstGeom prst="rect">
+            <a:avLst/>
+          </a:prstGeom>
+        </p:spPr>
+      </p:pic>
+      <p:sp>
+        <p:nvSpPr>
+          <p:cNvPr id="12" name="TextBox 11">
+            <a:extLst>
+              <a:ext uri="{FF2B5EF4-FFF2-40B4-BE49-F238E27FC236}">
+                <a16:creationId xmlns:a16="http://schemas.microsoft.com/office/drawing/2014/main" id="{BA18FE40-6607-0880-4053-504DB2C7D9BB}"/>
+              </a:ext>
+            </a:extLst>
+          </p:cNvPr>
+          <p:cNvSpPr txBox="1"/>
+          <p:nvPr/>
+        </p:nvSpPr>
+        <p:spPr>
+          <a:xfrm>
+            <a:off x="490331" y="4890782"/>
+            <a:ext cx="1646156" cy="369332"/>
+          </a:xfrm>
+          <a:prstGeom prst="rect">
+            <a:avLst/>
+          </a:prstGeom>
+          <a:noFill/>
+        </p:spPr>
+        <p:txBody>
+          <a:bodyPr wrap="none" rtlCol="0">
+            <a:spAutoFit/>
+          </a:bodyPr>
+          <a:lstStyle/>
+          <a:p>
+            <a:r>
+              <a:rPr lang="ru-RU" dirty="0"/>
+              <a:t>Окно новостей</a:t>
+            </a:r>
+          </a:p>
+        </p:txBody>
+      </p:sp>
+      <p:sp>
+        <p:nvSpPr>
+          <p:cNvPr id="13" name="TextBox 12">
+            <a:extLst>
+              <a:ext uri="{FF2B5EF4-FFF2-40B4-BE49-F238E27FC236}">
+                <a16:creationId xmlns:a16="http://schemas.microsoft.com/office/drawing/2014/main" id="{5ED45676-A099-4DC4-624E-34C405224BF3}"/>
+              </a:ext>
+            </a:extLst>
+          </p:cNvPr>
+          <p:cNvSpPr txBox="1"/>
+          <p:nvPr/>
+        </p:nvSpPr>
+        <p:spPr>
+          <a:xfrm>
+            <a:off x="2648762" y="4890782"/>
+            <a:ext cx="1799348" cy="646331"/>
+          </a:xfrm>
+          <a:prstGeom prst="rect">
+            <a:avLst/>
+          </a:prstGeom>
+          <a:noFill/>
+        </p:spPr>
+        <p:txBody>
+          <a:bodyPr wrap="square" rtlCol="0">
+            <a:spAutoFit/>
+          </a:bodyPr>
+          <a:lstStyle/>
+          <a:p>
+            <a:pPr algn="ctr"/>
+            <a:r>
+              <a:rPr lang="ru-RU" dirty="0"/>
+              <a:t>Окно записной книжки</a:t>
+            </a:r>
+          </a:p>
+        </p:txBody>
+      </p:sp>
+      <p:sp>
+        <p:nvSpPr>
+          <p:cNvPr id="14" name="TextBox 13">
+            <a:extLst>
+              <a:ext uri="{FF2B5EF4-FFF2-40B4-BE49-F238E27FC236}">
+                <a16:creationId xmlns:a16="http://schemas.microsoft.com/office/drawing/2014/main" id="{5DE4A3CE-62ED-57AC-5242-6EC613CDF48E}"/>
+              </a:ext>
+            </a:extLst>
+          </p:cNvPr>
+          <p:cNvSpPr txBox="1"/>
+          <p:nvPr/>
+        </p:nvSpPr>
+        <p:spPr>
+          <a:xfrm>
+            <a:off x="4956205" y="4873706"/>
+            <a:ext cx="1673970" cy="646331"/>
+          </a:xfrm>
+          <a:prstGeom prst="rect">
+            <a:avLst/>
+          </a:prstGeom>
+          <a:noFill/>
+        </p:spPr>
+        <p:txBody>
+          <a:bodyPr wrap="square" rtlCol="0">
+            <a:spAutoFit/>
+          </a:bodyPr>
+          <a:lstStyle/>
+          <a:p>
+            <a:pPr algn="ctr"/>
+            <a:r>
+              <a:rPr lang="ru-RU" dirty="0"/>
+              <a:t>Окно создания записей</a:t>
+            </a:r>
+          </a:p>
+        </p:txBody>
+      </p:sp>
+      <p:sp>
+        <p:nvSpPr>
+          <p:cNvPr id="15" name="TextBox 14">
+            <a:extLst>
+              <a:ext uri="{FF2B5EF4-FFF2-40B4-BE49-F238E27FC236}">
+                <a16:creationId xmlns:a16="http://schemas.microsoft.com/office/drawing/2014/main" id="{7C633C88-1B3B-E58D-F255-280C4A28A263}"/>
+              </a:ext>
+            </a:extLst>
+          </p:cNvPr>
+          <p:cNvSpPr txBox="1"/>
+          <p:nvPr/>
+        </p:nvSpPr>
+        <p:spPr>
+          <a:xfrm>
+            <a:off x="7115147" y="4873408"/>
+            <a:ext cx="1883849" cy="369332"/>
+          </a:xfrm>
+          <a:prstGeom prst="rect">
+            <a:avLst/>
+          </a:prstGeom>
+          <a:noFill/>
+        </p:spPr>
+        <p:txBody>
+          <a:bodyPr wrap="none" rtlCol="0">
+            <a:spAutoFit/>
+          </a:bodyPr>
+          <a:lstStyle/>
+          <a:p>
+            <a:r>
+              <a:rPr lang="ru-RU" dirty="0"/>
+              <a:t>Окно расписания</a:t>
+            </a:r>
+          </a:p>
+        </p:txBody>
+      </p:sp>
+      <p:sp>
+        <p:nvSpPr>
+          <p:cNvPr id="16" name="TextBox 15">
+            <a:extLst>
+              <a:ext uri="{FF2B5EF4-FFF2-40B4-BE49-F238E27FC236}">
+                <a16:creationId xmlns:a16="http://schemas.microsoft.com/office/drawing/2014/main" id="{2860746D-F8D4-F498-093E-EF44671C6E4E}"/>
+              </a:ext>
+            </a:extLst>
+          </p:cNvPr>
+          <p:cNvSpPr txBox="1"/>
+          <p:nvPr/>
+        </p:nvSpPr>
+        <p:spPr>
+          <a:xfrm>
+            <a:off x="9446762" y="4873706"/>
+            <a:ext cx="1661313" cy="646331"/>
+          </a:xfrm>
+          <a:prstGeom prst="rect">
+            <a:avLst/>
+          </a:prstGeom>
+          <a:noFill/>
+        </p:spPr>
+        <p:txBody>
+          <a:bodyPr wrap="square" rtlCol="0">
+            <a:spAutoFit/>
+          </a:bodyPr>
+          <a:lstStyle/>
+          <a:p>
+            <a:pPr algn="ctr"/>
+            <a:r>
+              <a:rPr lang="ru-RU" dirty="0"/>
+              <a:t>Окно личного кабинета</a:t>
             </a:r>
           </a:p>
         </p:txBody>
@@ -5138,7 +5419,7 @@
     </p:spTree>
     <p:extLst>
       <p:ext uri="{BB962C8B-B14F-4D97-AF65-F5344CB8AC3E}">
-        <p14:creationId xmlns:p14="http://schemas.microsoft.com/office/powerpoint/2010/main" val="1437185075"/>
+        <p14:creationId xmlns:p14="http://schemas.microsoft.com/office/powerpoint/2010/main" val="3296981653"/>
       </p:ext>
     </p:extLst>
   </p:cSld>
@@ -5170,6 +5451,122 @@
           <p:cNvPr id="2" name="Объект 1">
             <a:extLst>
               <a:ext uri="{FF2B5EF4-FFF2-40B4-BE49-F238E27FC236}">
+                <a16:creationId xmlns:a16="http://schemas.microsoft.com/office/drawing/2014/main" id="{2DC2AF10-C97A-430D-9C95-38110A7681BB}"/>
+              </a:ext>
+            </a:extLst>
+          </p:cNvPr>
+          <p:cNvSpPr>
+            <a:spLocks noGrp="1"/>
+          </p:cNvSpPr>
+          <p:nvPr>
+            <p:ph idx="1"/>
+          </p:nvPr>
+        </p:nvSpPr>
+        <p:spPr/>
+        <p:txBody>
+          <a:bodyPr/>
+          <a:lstStyle/>
+          <a:p>
+            <a:pPr marL="0" indent="0">
+              <a:buNone/>
+            </a:pPr>
+            <a:r>
+              <a:rPr lang="ru-RU" dirty="0"/>
+              <a:t>Разработанная приложение позволяет достигнуть следующих эффектов</a:t>
+            </a:r>
+            <a:endParaRPr lang="en-US" dirty="0"/>
+          </a:p>
+          <a:p>
+            <a:r>
+              <a:rPr lang="ru-RU" dirty="0"/>
+              <a:t>позволяет пользователям быстро и удобно получать доступ к новостям и информации спортивного клуба;</a:t>
+            </a:r>
+          </a:p>
+          <a:p>
+            <a:r>
+              <a:rPr lang="ru-RU" dirty="0"/>
+              <a:t>позволяет пользователям вести учет и отслеживать прогресс собственных тренировок</a:t>
+            </a:r>
+          </a:p>
+          <a:p>
+            <a:r>
+              <a:rPr lang="ru-RU" dirty="0"/>
+              <a:t>разработанное </a:t>
+            </a:r>
+            <a:r>
+              <a:rPr lang="ru-RU"/>
+              <a:t>приложение обеспечивает </a:t>
+            </a:r>
+            <a:r>
+              <a:rPr lang="ru-RU" dirty="0"/>
+              <a:t>высокую скорость загрузки и отзывчивость.</a:t>
+            </a:r>
+          </a:p>
+        </p:txBody>
+      </p:sp>
+      <p:sp>
+        <p:nvSpPr>
+          <p:cNvPr id="3" name="Заголовок 2">
+            <a:extLst>
+              <a:ext uri="{FF2B5EF4-FFF2-40B4-BE49-F238E27FC236}">
+                <a16:creationId xmlns:a16="http://schemas.microsoft.com/office/drawing/2014/main" id="{3EB8BC88-C1C1-4C55-8A5F-94FBFA3D1AFA}"/>
+              </a:ext>
+            </a:extLst>
+          </p:cNvPr>
+          <p:cNvSpPr>
+            <a:spLocks noGrp="1"/>
+          </p:cNvSpPr>
+          <p:nvPr>
+            <p:ph type="title"/>
+          </p:nvPr>
+        </p:nvSpPr>
+        <p:spPr/>
+        <p:txBody>
+          <a:bodyPr/>
+          <a:lstStyle/>
+          <a:p>
+            <a:r>
+              <a:rPr lang="ru-RU" dirty="0"/>
+              <a:t>Решение</a:t>
+            </a:r>
+          </a:p>
+        </p:txBody>
+      </p:sp>
+    </p:spTree>
+    <p:extLst>
+      <p:ext uri="{BB962C8B-B14F-4D97-AF65-F5344CB8AC3E}">
+        <p14:creationId xmlns:p14="http://schemas.microsoft.com/office/powerpoint/2010/main" val="1437185075"/>
+      </p:ext>
+    </p:extLst>
+  </p:cSld>
+  <p:clrMapOvr>
+    <a:masterClrMapping/>
+  </p:clrMapOvr>
+</p:sld>
+</file>
+
+<file path=ppt/slides/slide13.xml><?xml version="1.0" encoding="utf-8"?>
+<p:sld xmlns:a="http://schemas.openxmlformats.org/drawingml/2006/main" xmlns:r="http://schemas.openxmlformats.org/officeDocument/2006/relationships" xmlns:p="http://schemas.openxmlformats.org/presentationml/2006/main">
+  <p:cSld>
+    <p:spTree>
+      <p:nvGrpSpPr>
+        <p:cNvPr id="1" name=""/>
+        <p:cNvGrpSpPr/>
+        <p:nvPr/>
+      </p:nvGrpSpPr>
+      <p:grpSpPr>
+        <a:xfrm>
+          <a:off x="0" y="0"/>
+          <a:ext cx="0" cy="0"/>
+          <a:chOff x="0" y="0"/>
+          <a:chExt cx="0" cy="0"/>
+        </a:xfrm>
+      </p:grpSpPr>
+      <p:sp>
+        <p:nvSpPr>
+          <p:cNvPr id="2" name="Объект 1">
+            <a:extLst>
+              <a:ext uri="{FF2B5EF4-FFF2-40B4-BE49-F238E27FC236}">
                 <a16:creationId xmlns:a16="http://schemas.microsoft.com/office/drawing/2014/main" id="{437974E2-E90B-4F71-8618-244D227F13E1}"/>
               </a:ext>
             </a:extLst>
@@ -5248,7 +5645,7 @@
 </p:sld>
 </file>
 
-<file path=ppt/slides/slide13.xml><?xml version="1.0" encoding="utf-8"?>
+<file path=ppt/slides/slide14.xml><?xml version="1.0" encoding="utf-8"?>
 <p:sld xmlns:a="http://schemas.openxmlformats.org/drawingml/2006/main" xmlns:r="http://schemas.openxmlformats.org/officeDocument/2006/relationships" xmlns:p="http://schemas.openxmlformats.org/presentationml/2006/main">
   <p:cSld>
     <p:spTree>
@@ -5373,7 +5770,7 @@
           <a:p>
             <a:r>
               <a:rPr lang="ru-RU" dirty="0"/>
-              <a:t>Объектом исследования курсовой работы является разработка мобильного приложения для фитнес-клуба.</a:t>
+              <a:t>Объектом исследования работы является разработка мобильного приложения для фитнес-клуба.</a:t>
             </a:r>
           </a:p>
           <a:p>
@@ -5393,7 +5790,7 @@
           <a:p>
             <a:r>
               <a:rPr lang="ru-RU" dirty="0"/>
-              <a:t>Цель курсовой работы состоит в разработке клиент – серверного мобильного приложения, удовлетворяющего базовые потребности клиента фитнес – клуба, и изучение преимуществ выбранных технологий</a:t>
+              <a:t>Цель работы состоит в разработке клиент – серверного мобильного приложения, удовлетворяющего базовые потребности клиента фитнес – клуба, и изучение преимуществ выбранных технологий</a:t>
             </a:r>
           </a:p>
         </p:txBody>
@@ -5613,23 +6010,7 @@
                   <a:schemeClr val="tx1"/>
                 </a:solidFill>
               </a:rPr>
-              <a:t>п</a:t>
-            </a:r>
-            <a:r>
-              <a:rPr lang="ru-RU">
-                <a:solidFill>
-                  <a:schemeClr val="tx1"/>
-                </a:solidFill>
-              </a:rPr>
-              <a:t>росмотр </a:t>
-            </a:r>
-            <a:r>
-              <a:rPr lang="ru-RU" dirty="0">
-                <a:solidFill>
-                  <a:schemeClr val="tx1"/>
-                </a:solidFill>
-              </a:rPr>
-              <a:t>истории собственных тренировок</a:t>
+              <a:t>просмотр истории собственных тренировок</a:t>
             </a:r>
             <a:r>
               <a:rPr lang="en-US" dirty="0">
@@ -5762,20 +6143,12 @@
               <a:t>Фреймворки</a:t>
             </a:r>
             <a:r>
-              <a:rPr lang="en-US" dirty="0">
+              <a:rPr lang="en-US">
                 <a:solidFill>
                   <a:schemeClr val="tx1"/>
                 </a:solidFill>
               </a:rPr>
-              <a:t>: </a:t>
-            </a:r>
-            <a:r>
-              <a:rPr lang="en-US" dirty="0" err="1">
-                <a:solidFill>
-                  <a:schemeClr val="tx1"/>
-                </a:solidFill>
-              </a:rPr>
-              <a:t>DJango</a:t>
+              <a:t>: Django</a:t>
             </a:r>
             <a:r>
               <a:rPr lang="en-US" dirty="0">
@@ -6233,7 +6606,7 @@
           <a:p>
             <a:r>
               <a:rPr lang="ru-RU" dirty="0"/>
-              <a:t>Базы данных</a:t>
+              <a:t>База данных</a:t>
             </a:r>
           </a:p>
         </p:txBody>
